--- a/期末報告.pptx
+++ b/期末報告.pptx
@@ -7,12 +7,15 @@
   <p:sldIdLst>
     <p:sldId id="256" r:id="rId2"/>
     <p:sldId id="261" r:id="rId3"/>
-    <p:sldId id="258" r:id="rId4"/>
-    <p:sldId id="264" r:id="rId5"/>
-    <p:sldId id="259" r:id="rId6"/>
-    <p:sldId id="260" r:id="rId7"/>
-    <p:sldId id="262" r:id="rId8"/>
-    <p:sldId id="265" r:id="rId9"/>
+    <p:sldId id="269" r:id="rId4"/>
+    <p:sldId id="270" r:id="rId5"/>
+    <p:sldId id="264" r:id="rId6"/>
+    <p:sldId id="262" r:id="rId7"/>
+    <p:sldId id="268" r:id="rId8"/>
+    <p:sldId id="259" r:id="rId9"/>
+    <p:sldId id="260" r:id="rId10"/>
+    <p:sldId id="267" r:id="rId11"/>
+    <p:sldId id="265" r:id="rId12"/>
   </p:sldIdLst>
   <p:sldSz cx="12192000" cy="6858000"/>
   <p:notesSz cx="6858000" cy="9144000"/>
@@ -345,7 +348,7 @@
           <a:p>
             <a:fld id="{B3DEAF16-0719-45CC-8DFF-DBBC3114A24A}" type="datetimeFigureOut">
               <a:rPr lang="zh-TW" altLang="en-US" smtClean="0"/>
-              <a:t>2022/12/24</a:t>
+              <a:t>2022/12/25</a:t>
             </a:fld>
             <a:endParaRPr lang="zh-TW" altLang="en-US"/>
           </a:p>
@@ -553,7 +556,7 @@
           <a:p>
             <a:fld id="{B3DEAF16-0719-45CC-8DFF-DBBC3114A24A}" type="datetimeFigureOut">
               <a:rPr lang="zh-TW" altLang="en-US" smtClean="0"/>
-              <a:t>2022/12/24</a:t>
+              <a:t>2022/12/25</a:t>
             </a:fld>
             <a:endParaRPr lang="zh-TW" altLang="en-US"/>
           </a:p>
@@ -809,7 +812,7 @@
           <a:p>
             <a:fld id="{B3DEAF16-0719-45CC-8DFF-DBBC3114A24A}" type="datetimeFigureOut">
               <a:rPr lang="zh-TW" altLang="en-US" smtClean="0"/>
-              <a:t>2022/12/24</a:t>
+              <a:t>2022/12/25</a:t>
             </a:fld>
             <a:endParaRPr lang="zh-TW" altLang="en-US"/>
           </a:p>
@@ -979,7 +982,7 @@
           <a:p>
             <a:fld id="{B3DEAF16-0719-45CC-8DFF-DBBC3114A24A}" type="datetimeFigureOut">
               <a:rPr lang="zh-TW" altLang="en-US" smtClean="0"/>
-              <a:t>2022/12/24</a:t>
+              <a:t>2022/12/25</a:t>
             </a:fld>
             <a:endParaRPr lang="zh-TW" altLang="en-US"/>
           </a:p>
@@ -1322,7 +1325,7 @@
           <a:p>
             <a:fld id="{B3DEAF16-0719-45CC-8DFF-DBBC3114A24A}" type="datetimeFigureOut">
               <a:rPr lang="zh-TW" altLang="en-US" smtClean="0"/>
-              <a:t>2022/12/24</a:t>
+              <a:t>2022/12/25</a:t>
             </a:fld>
             <a:endParaRPr lang="zh-TW" altLang="en-US"/>
           </a:p>
@@ -1597,7 +1600,7 @@
           <a:p>
             <a:fld id="{B3DEAF16-0719-45CC-8DFF-DBBC3114A24A}" type="datetimeFigureOut">
               <a:rPr lang="zh-TW" altLang="en-US" smtClean="0"/>
-              <a:t>2022/12/24</a:t>
+              <a:t>2022/12/25</a:t>
             </a:fld>
             <a:endParaRPr lang="zh-TW" altLang="en-US"/>
           </a:p>
@@ -1976,7 +1979,7 @@
           <a:p>
             <a:fld id="{B3DEAF16-0719-45CC-8DFF-DBBC3114A24A}" type="datetimeFigureOut">
               <a:rPr lang="zh-TW" altLang="en-US" smtClean="0"/>
-              <a:t>2022/12/24</a:t>
+              <a:t>2022/12/25</a:t>
             </a:fld>
             <a:endParaRPr lang="zh-TW" altLang="en-US"/>
           </a:p>
@@ -2094,7 +2097,7 @@
           <a:p>
             <a:fld id="{B3DEAF16-0719-45CC-8DFF-DBBC3114A24A}" type="datetimeFigureOut">
               <a:rPr lang="zh-TW" altLang="en-US" smtClean="0"/>
-              <a:t>2022/12/24</a:t>
+              <a:t>2022/12/25</a:t>
             </a:fld>
             <a:endParaRPr lang="zh-TW" altLang="en-US"/>
           </a:p>
@@ -2265,7 +2268,7 @@
           <a:p>
             <a:fld id="{B3DEAF16-0719-45CC-8DFF-DBBC3114A24A}" type="datetimeFigureOut">
               <a:rPr lang="zh-TW" altLang="en-US" smtClean="0"/>
-              <a:t>2022/12/24</a:t>
+              <a:t>2022/12/25</a:t>
             </a:fld>
             <a:endParaRPr lang="zh-TW" altLang="en-US"/>
           </a:p>
@@ -2619,7 +2622,7 @@
           <a:p>
             <a:fld id="{B3DEAF16-0719-45CC-8DFF-DBBC3114A24A}" type="datetimeFigureOut">
               <a:rPr lang="zh-TW" altLang="en-US" smtClean="0"/>
-              <a:t>2022/12/24</a:t>
+              <a:t>2022/12/25</a:t>
             </a:fld>
             <a:endParaRPr lang="zh-TW" altLang="en-US"/>
           </a:p>
@@ -2996,7 +2999,7 @@
           <a:p>
             <a:fld id="{B3DEAF16-0719-45CC-8DFF-DBBC3114A24A}" type="datetimeFigureOut">
               <a:rPr lang="zh-TW" altLang="en-US" smtClean="0"/>
-              <a:t>2022/12/24</a:t>
+              <a:t>2022/12/25</a:t>
             </a:fld>
             <a:endParaRPr lang="zh-TW" altLang="en-US"/>
           </a:p>
@@ -3283,7 +3286,7 @@
           <a:p>
             <a:fld id="{B3DEAF16-0719-45CC-8DFF-DBBC3114A24A}" type="datetimeFigureOut">
               <a:rPr lang="zh-TW" altLang="en-US" smtClean="0"/>
-              <a:t>2022/12/24</a:t>
+              <a:t>2022/12/25</a:t>
             </a:fld>
             <a:endParaRPr lang="zh-TW" altLang="en-US"/>
           </a:p>
@@ -4000,6 +4003,239 @@
 </p:sld>
 </file>
 
+<file path=ppt/slides/slide10.xml><?xml version="1.0" encoding="utf-8"?>
+<p:sld xmlns:a="http://schemas.openxmlformats.org/drawingml/2006/main" xmlns:r="http://schemas.openxmlformats.org/officeDocument/2006/relationships" xmlns:p="http://schemas.openxmlformats.org/presentationml/2006/main">
+  <p:cSld>
+    <p:spTree>
+      <p:nvGrpSpPr>
+        <p:cNvPr id="1" name=""/>
+        <p:cNvGrpSpPr/>
+        <p:nvPr/>
+      </p:nvGrpSpPr>
+      <p:grpSpPr>
+        <a:xfrm>
+          <a:off x="0" y="0"/>
+          <a:ext cx="0" cy="0"/>
+          <a:chOff x="0" y="0"/>
+          <a:chExt cx="0" cy="0"/>
+        </a:xfrm>
+      </p:grpSpPr>
+      <p:sp>
+        <p:nvSpPr>
+          <p:cNvPr id="2" name="標題 1">
+            <a:extLst>
+              <a:ext uri="{FF2B5EF4-FFF2-40B4-BE49-F238E27FC236}">
+                <a16:creationId xmlns:a16="http://schemas.microsoft.com/office/drawing/2014/main" id="{94116800-340C-43F4-80F3-E63D77C69C42}"/>
+              </a:ext>
+            </a:extLst>
+          </p:cNvPr>
+          <p:cNvSpPr>
+            <a:spLocks noGrp="1"/>
+          </p:cNvSpPr>
+          <p:nvPr>
+            <p:ph type="title"/>
+          </p:nvPr>
+        </p:nvSpPr>
+        <p:spPr/>
+        <p:txBody>
+          <a:bodyPr/>
+          <a:lstStyle/>
+          <a:p>
+            <a:r>
+              <a:rPr lang="en-US" altLang="zh-TW" dirty="0"/>
+              <a:t>What we think about this competition</a:t>
+            </a:r>
+            <a:endParaRPr lang="zh-TW" altLang="en-US" dirty="0"/>
+          </a:p>
+        </p:txBody>
+      </p:sp>
+      <p:sp>
+        <p:nvSpPr>
+          <p:cNvPr id="3" name="內容版面配置區 2">
+            <a:extLst>
+              <a:ext uri="{FF2B5EF4-FFF2-40B4-BE49-F238E27FC236}">
+                <a16:creationId xmlns:a16="http://schemas.microsoft.com/office/drawing/2014/main" id="{5625343F-B7CE-4572-BF86-F4A26DCA8708}"/>
+              </a:ext>
+            </a:extLst>
+          </p:cNvPr>
+          <p:cNvSpPr>
+            <a:spLocks noGrp="1"/>
+          </p:cNvSpPr>
+          <p:nvPr>
+            <p:ph idx="1"/>
+          </p:nvPr>
+        </p:nvSpPr>
+        <p:spPr/>
+        <p:txBody>
+          <a:bodyPr/>
+          <a:lstStyle/>
+          <a:p>
+            <a:r>
+              <a:rPr lang="en-US" altLang="zh-TW" dirty="0"/>
+              <a:t>Out model with </a:t>
+            </a:r>
+            <a:r>
+              <a:rPr lang="en-US" altLang="zh-TW" dirty="0" err="1"/>
+              <a:t>LeakyRelu</a:t>
+            </a:r>
+            <a:r>
+              <a:rPr lang="en-US" altLang="zh-TW" dirty="0"/>
+              <a:t> have better performance than </a:t>
+            </a:r>
+            <a:r>
+              <a:rPr lang="en-US" altLang="zh-TW" dirty="0" err="1"/>
+              <a:t>Relu</a:t>
+            </a:r>
+            <a:r>
+              <a:rPr lang="en-US" altLang="zh-TW" dirty="0"/>
+              <a:t>.</a:t>
+            </a:r>
+          </a:p>
+          <a:p>
+            <a:r>
+              <a:rPr lang="en-US" altLang="zh-TW" dirty="0"/>
+              <a:t>Unbalanced data is hard to handle.</a:t>
+            </a:r>
+          </a:p>
+          <a:p>
+            <a:r>
+              <a:rPr lang="en-US" altLang="zh-TW" dirty="0"/>
+              <a:t>Money laundering have many feature need to  be considered.</a:t>
+            </a:r>
+          </a:p>
+          <a:p>
+            <a:r>
+              <a:rPr lang="en-US" altLang="zh-TW" dirty="0"/>
+              <a:t>Our group have very little domain knowledge about money laundering, and google can’t find any result about  “How to do money Laundering”.</a:t>
+            </a:r>
+            <a:endParaRPr lang="zh-TW" altLang="en-US" dirty="0"/>
+          </a:p>
+        </p:txBody>
+      </p:sp>
+    </p:spTree>
+    <p:extLst>
+      <p:ext uri="{BB962C8B-B14F-4D97-AF65-F5344CB8AC3E}">
+        <p14:creationId xmlns:p14="http://schemas.microsoft.com/office/powerpoint/2010/main" val="2686983763"/>
+      </p:ext>
+    </p:extLst>
+  </p:cSld>
+  <p:clrMapOvr>
+    <a:masterClrMapping/>
+  </p:clrMapOvr>
+</p:sld>
+</file>
+
+<file path=ppt/slides/slide11.xml><?xml version="1.0" encoding="utf-8"?>
+<p:sld xmlns:a="http://schemas.openxmlformats.org/drawingml/2006/main" xmlns:r="http://schemas.openxmlformats.org/officeDocument/2006/relationships" xmlns:p="http://schemas.openxmlformats.org/presentationml/2006/main">
+  <p:cSld>
+    <p:spTree>
+      <p:nvGrpSpPr>
+        <p:cNvPr id="1" name=""/>
+        <p:cNvGrpSpPr/>
+        <p:nvPr/>
+      </p:nvGrpSpPr>
+      <p:grpSpPr>
+        <a:xfrm>
+          <a:off x="0" y="0"/>
+          <a:ext cx="0" cy="0"/>
+          <a:chOff x="0" y="0"/>
+          <a:chExt cx="0" cy="0"/>
+        </a:xfrm>
+      </p:grpSpPr>
+      <p:sp>
+        <p:nvSpPr>
+          <p:cNvPr id="2" name="標題 1">
+            <a:extLst>
+              <a:ext uri="{FF2B5EF4-FFF2-40B4-BE49-F238E27FC236}">
+                <a16:creationId xmlns:a16="http://schemas.microsoft.com/office/drawing/2014/main" id="{40FC157F-9144-414D-8216-A9A8530B07BC}"/>
+              </a:ext>
+            </a:extLst>
+          </p:cNvPr>
+          <p:cNvSpPr>
+            <a:spLocks noGrp="1"/>
+          </p:cNvSpPr>
+          <p:nvPr>
+            <p:ph type="title"/>
+          </p:nvPr>
+        </p:nvSpPr>
+        <p:spPr/>
+        <p:txBody>
+          <a:bodyPr/>
+          <a:lstStyle/>
+          <a:p>
+            <a:r>
+              <a:rPr lang="en-US" altLang="zh-TW" dirty="0"/>
+              <a:t>Feature work</a:t>
+            </a:r>
+            <a:endParaRPr lang="zh-TW" altLang="en-US" dirty="0"/>
+          </a:p>
+        </p:txBody>
+      </p:sp>
+      <p:sp>
+        <p:nvSpPr>
+          <p:cNvPr id="3" name="內容版面配置區 2">
+            <a:extLst>
+              <a:ext uri="{FF2B5EF4-FFF2-40B4-BE49-F238E27FC236}">
+                <a16:creationId xmlns:a16="http://schemas.microsoft.com/office/drawing/2014/main" id="{412FE23B-7B55-4B7B-9E56-4C79870D252E}"/>
+              </a:ext>
+            </a:extLst>
+          </p:cNvPr>
+          <p:cNvSpPr>
+            <a:spLocks noGrp="1"/>
+          </p:cNvSpPr>
+          <p:nvPr>
+            <p:ph idx="1"/>
+          </p:nvPr>
+        </p:nvSpPr>
+        <p:spPr/>
+        <p:txBody>
+          <a:bodyPr/>
+          <a:lstStyle/>
+          <a:p>
+            <a:pPr marL="457200" indent="-457200">
+              <a:buFont typeface="+mj-lt"/>
+              <a:buAutoNum type="alphaUcPeriod"/>
+            </a:pPr>
+            <a:r>
+              <a:rPr lang="en-US" altLang="zh-TW" dirty="0"/>
+              <a:t>Find the key feature to detect which transaction is money laundering</a:t>
+            </a:r>
+          </a:p>
+          <a:p>
+            <a:pPr marL="457200" indent="-457200">
+              <a:buFont typeface="+mj-lt"/>
+              <a:buAutoNum type="alphaUcPeriod"/>
+            </a:pPr>
+            <a:r>
+              <a:rPr lang="en-US" altLang="zh-TW" dirty="0"/>
+              <a:t>Find a better way to preprocessing our data</a:t>
+            </a:r>
+          </a:p>
+          <a:p>
+            <a:pPr marL="457200" indent="-457200">
+              <a:buFont typeface="+mj-lt"/>
+              <a:buAutoNum type="alphaUcPeriod"/>
+            </a:pPr>
+            <a:r>
+              <a:rPr lang="en-US" altLang="zh-TW" dirty="0"/>
+              <a:t>Improve our model architecture</a:t>
+            </a:r>
+          </a:p>
+        </p:txBody>
+      </p:sp>
+    </p:spTree>
+    <p:extLst>
+      <p:ext uri="{BB962C8B-B14F-4D97-AF65-F5344CB8AC3E}">
+        <p14:creationId xmlns:p14="http://schemas.microsoft.com/office/powerpoint/2010/main" val="837950723"/>
+      </p:ext>
+    </p:extLst>
+  </p:cSld>
+  <p:clrMapOvr>
+    <a:masterClrMapping/>
+  </p:clrMapOvr>
+</p:sld>
+</file>
+
 <file path=ppt/slides/slide2.xml><?xml version="1.0" encoding="utf-8"?>
 <p:sld xmlns:a="http://schemas.openxmlformats.org/drawingml/2006/main" xmlns:r="http://schemas.openxmlformats.org/officeDocument/2006/relationships" xmlns:p="http://schemas.openxmlformats.org/presentationml/2006/main">
   <p:cSld>
@@ -4124,7 +4360,7 @@
           <a:p>
             <a:r>
               <a:rPr lang="en-US" altLang="zh-TW" dirty="0"/>
-              <a:t>Data preprocessing</a:t>
+              <a:t>Data preprocessing – raw data</a:t>
             </a:r>
             <a:endParaRPr lang="zh-TW" altLang="en-US" dirty="0"/>
           </a:p>
@@ -4280,7 +4516,7 @@
     </p:spTree>
     <p:extLst>
       <p:ext uri="{BB962C8B-B14F-4D97-AF65-F5344CB8AC3E}">
-        <p14:creationId xmlns:p14="http://schemas.microsoft.com/office/powerpoint/2010/main" val="1096489676"/>
+        <p14:creationId xmlns:p14="http://schemas.microsoft.com/office/powerpoint/2010/main" val="2369395953"/>
       </p:ext>
     </p:extLst>
   </p:cSld>
@@ -4330,7 +4566,7 @@
           <a:p>
             <a:r>
               <a:rPr lang="en-US" altLang="zh-TW" dirty="0"/>
-              <a:t>Data preprocessing – unbalance data</a:t>
+              <a:t>Data preprocessing - correlation</a:t>
             </a:r>
             <a:endParaRPr lang="zh-TW" altLang="en-US" dirty="0"/>
           </a:p>
@@ -4352,44 +4588,34 @@
             <p:ph idx="1"/>
           </p:nvPr>
         </p:nvSpPr>
-        <p:spPr/>
-        <p:txBody>
-          <a:bodyPr/>
-          <a:lstStyle/>
-          <a:p>
-            <a:pPr marL="0" indent="0">
-              <a:buNone/>
-            </a:pPr>
+        <p:spPr>
+          <a:xfrm>
+            <a:off x="1097280" y="1845734"/>
+            <a:ext cx="6230890" cy="4023360"/>
+          </a:xfrm>
+        </p:spPr>
+        <p:txBody>
+          <a:bodyPr/>
+          <a:lstStyle/>
+          <a:p>
             <a:r>
               <a:rPr lang="en-US" altLang="zh-TW" dirty="0"/>
-              <a:t>Our training data is unbalance</a:t>
-            </a:r>
-          </a:p>
-          <a:p>
-            <a:pPr marL="0" indent="0">
-              <a:buNone/>
-            </a:pPr>
+              <a:t>We try to find the key feature that correlate most to the answer.</a:t>
+            </a:r>
+          </a:p>
+          <a:p>
             <a:endParaRPr lang="en-US" altLang="zh-TW" dirty="0"/>
           </a:p>
           <a:p>
-            <a:pPr marL="0" indent="0">
-              <a:buNone/>
-            </a:pPr>
-            <a:endParaRPr lang="en-US" altLang="zh-TW" dirty="0"/>
-          </a:p>
-          <a:p>
-            <a:pPr marL="0" indent="0">
-              <a:buNone/>
-            </a:pPr>
-            <a:endParaRPr lang="en-US" altLang="zh-TW" dirty="0"/>
-          </a:p>
-          <a:p>
-            <a:pPr marL="0" indent="0">
-              <a:buNone/>
-            </a:pPr>
             <a:r>
               <a:rPr lang="en-US" altLang="zh-TW" dirty="0"/>
-              <a:t>So we use oversampling to increase the data of class ‘1’</a:t>
+              <a:t>We can’t </a:t>
+            </a:r>
+            <a:r>
+              <a:rPr lang="en-US" altLang="zh-TW" dirty="0">
+                <a:sym typeface="Wingdings" panose="05000000000000000000" pitchFamily="2" charset="2"/>
+              </a:rPr>
+              <a:t>.</a:t>
             </a:r>
             <a:endParaRPr lang="zh-TW" altLang="en-US" dirty="0"/>
           </a:p>
@@ -4397,10 +4623,10 @@
       </p:sp>
       <p:pic>
         <p:nvPicPr>
-          <p:cNvPr id="10" name="圖片 9">
+          <p:cNvPr id="6" name="圖片 5">
             <a:extLst>
               <a:ext uri="{FF2B5EF4-FFF2-40B4-BE49-F238E27FC236}">
-                <a16:creationId xmlns:a16="http://schemas.microsoft.com/office/drawing/2014/main" id="{56F614E9-B064-4090-83F6-AB5023DA9E99}"/>
+                <a16:creationId xmlns:a16="http://schemas.microsoft.com/office/drawing/2014/main" id="{93849829-608C-47BD-8719-CB132771F561}"/>
               </a:ext>
             </a:extLst>
           </p:cNvPr>
@@ -4417,98 +4643,8 @@
         </p:blipFill>
         <p:spPr>
           <a:xfrm>
-            <a:off x="930954" y="4131713"/>
-            <a:ext cx="4746614" cy="499644"/>
-          </a:xfrm>
-          <a:prstGeom prst="rect">
-            <a:avLst/>
-          </a:prstGeom>
-        </p:spPr>
-      </p:pic>
-      <p:pic>
-        <p:nvPicPr>
-          <p:cNvPr id="11" name="圖片 10">
-            <a:extLst>
-              <a:ext uri="{FF2B5EF4-FFF2-40B4-BE49-F238E27FC236}">
-                <a16:creationId xmlns:a16="http://schemas.microsoft.com/office/drawing/2014/main" id="{2F0D791D-8255-4EA5-A115-7AA81D76DE36}"/>
-              </a:ext>
-            </a:extLst>
-          </p:cNvPr>
-          <p:cNvPicPr>
-            <a:picLocks noChangeAspect="1"/>
-          </p:cNvPicPr>
-          <p:nvPr/>
-        </p:nvPicPr>
-        <p:blipFill>
-          <a:blip r:embed="rId3"/>
-          <a:stretch>
-            <a:fillRect/>
-          </a:stretch>
-        </p:blipFill>
-        <p:spPr>
-          <a:xfrm>
-            <a:off x="930954" y="4859872"/>
-            <a:ext cx="2268470" cy="780707"/>
-          </a:xfrm>
-          <a:prstGeom prst="rect">
-            <a:avLst/>
-          </a:prstGeom>
-        </p:spPr>
-      </p:pic>
-      <p:pic>
-        <p:nvPicPr>
-          <p:cNvPr id="12" name="圖片 11">
-            <a:extLst>
-              <a:ext uri="{FF2B5EF4-FFF2-40B4-BE49-F238E27FC236}">
-                <a16:creationId xmlns:a16="http://schemas.microsoft.com/office/drawing/2014/main" id="{95913A59-8DD3-4A96-906E-65F47C354847}"/>
-              </a:ext>
-            </a:extLst>
-          </p:cNvPr>
-          <p:cNvPicPr>
-            <a:picLocks noChangeAspect="1"/>
-          </p:cNvPicPr>
-          <p:nvPr/>
-        </p:nvPicPr>
-        <p:blipFill>
-          <a:blip r:embed="rId4"/>
-          <a:stretch>
-            <a:fillRect/>
-          </a:stretch>
-        </p:blipFill>
-        <p:spPr>
-          <a:xfrm>
-            <a:off x="979139" y="2650233"/>
-            <a:ext cx="2233255" cy="749466"/>
-          </a:xfrm>
-          <a:prstGeom prst="rect">
-            <a:avLst/>
-          </a:prstGeom>
-        </p:spPr>
-      </p:pic>
-      <p:pic>
-        <p:nvPicPr>
-          <p:cNvPr id="13" name="圖片 12">
-            <a:extLst>
-              <a:ext uri="{FF2B5EF4-FFF2-40B4-BE49-F238E27FC236}">
-                <a16:creationId xmlns:a16="http://schemas.microsoft.com/office/drawing/2014/main" id="{187F8693-16ED-4FFB-A891-4416B874BB70}"/>
-              </a:ext>
-            </a:extLst>
-          </p:cNvPr>
-          <p:cNvPicPr>
-            <a:picLocks noChangeAspect="1"/>
-          </p:cNvPicPr>
-          <p:nvPr/>
-        </p:nvPicPr>
-        <p:blipFill>
-          <a:blip r:embed="rId5"/>
-          <a:stretch>
-            <a:fillRect/>
-          </a:stretch>
-        </p:blipFill>
-        <p:spPr>
-          <a:xfrm>
-            <a:off x="979139" y="2341405"/>
-            <a:ext cx="5706843" cy="203010"/>
+            <a:off x="7204953" y="1737360"/>
+            <a:ext cx="4639851" cy="4385929"/>
           </a:xfrm>
           <a:prstGeom prst="rect">
             <a:avLst/>
@@ -4518,7 +4654,7 @@
     </p:spTree>
     <p:extLst>
       <p:ext uri="{BB962C8B-B14F-4D97-AF65-F5344CB8AC3E}">
-        <p14:creationId xmlns:p14="http://schemas.microsoft.com/office/powerpoint/2010/main" val="1224602313"/>
+        <p14:creationId xmlns:p14="http://schemas.microsoft.com/office/powerpoint/2010/main" val="1639331655"/>
       </p:ext>
     </p:extLst>
   </p:cSld>
@@ -4550,6 +4686,760 @@
           <p:cNvPr id="2" name="標題 1">
             <a:extLst>
               <a:ext uri="{FF2B5EF4-FFF2-40B4-BE49-F238E27FC236}">
+                <a16:creationId xmlns:a16="http://schemas.microsoft.com/office/drawing/2014/main" id="{6F079AFA-BA70-4AE6-B8C9-433AF21CF2F1}"/>
+              </a:ext>
+            </a:extLst>
+          </p:cNvPr>
+          <p:cNvSpPr>
+            <a:spLocks noGrp="1"/>
+          </p:cNvSpPr>
+          <p:nvPr>
+            <p:ph type="title"/>
+          </p:nvPr>
+        </p:nvSpPr>
+        <p:spPr/>
+        <p:txBody>
+          <a:bodyPr/>
+          <a:lstStyle/>
+          <a:p>
+            <a:r>
+              <a:rPr lang="en-US" altLang="zh-TW" dirty="0"/>
+              <a:t>Data preprocessing – unbalance data</a:t>
+            </a:r>
+            <a:endParaRPr lang="zh-TW" altLang="en-US" dirty="0"/>
+          </a:p>
+        </p:txBody>
+      </p:sp>
+      <p:sp>
+        <p:nvSpPr>
+          <p:cNvPr id="3" name="內容版面配置區 2">
+            <a:extLst>
+              <a:ext uri="{FF2B5EF4-FFF2-40B4-BE49-F238E27FC236}">
+                <a16:creationId xmlns:a16="http://schemas.microsoft.com/office/drawing/2014/main" id="{F1028E75-1528-444E-810C-8B057BDB3085}"/>
+              </a:ext>
+            </a:extLst>
+          </p:cNvPr>
+          <p:cNvSpPr>
+            <a:spLocks noGrp="1"/>
+          </p:cNvSpPr>
+          <p:nvPr>
+            <p:ph idx="1"/>
+          </p:nvPr>
+        </p:nvSpPr>
+        <p:spPr/>
+        <p:txBody>
+          <a:bodyPr/>
+          <a:lstStyle/>
+          <a:p>
+            <a:pPr marL="0" indent="0">
+              <a:buNone/>
+            </a:pPr>
+            <a:r>
+              <a:rPr lang="en-US" altLang="zh-TW" dirty="0"/>
+              <a:t>Our training data is unbalance, there two ways to deal with this problem, oversampling and </a:t>
+            </a:r>
+            <a:r>
+              <a:rPr lang="en-US" altLang="zh-TW" dirty="0" err="1"/>
+              <a:t>undersampling</a:t>
+            </a:r>
+            <a:endParaRPr lang="en-US" altLang="zh-TW" dirty="0"/>
+          </a:p>
+          <a:p>
+            <a:pPr marL="0" indent="0">
+              <a:buNone/>
+            </a:pPr>
+            <a:endParaRPr lang="en-US" altLang="zh-TW" dirty="0"/>
+          </a:p>
+          <a:p>
+            <a:pPr marL="0" indent="0">
+              <a:buNone/>
+            </a:pPr>
+            <a:endParaRPr lang="en-US" altLang="zh-TW" dirty="0"/>
+          </a:p>
+          <a:p>
+            <a:pPr marL="0" indent="0">
+              <a:buNone/>
+            </a:pPr>
+            <a:r>
+              <a:rPr lang="en-US" altLang="zh-TW" dirty="0"/>
+              <a:t>we tried oversampling and </a:t>
+            </a:r>
+            <a:r>
+              <a:rPr lang="en-US" altLang="zh-TW" dirty="0" err="1"/>
+              <a:t>undersampling</a:t>
+            </a:r>
+            <a:r>
+              <a:rPr lang="en-US" altLang="zh-TW" dirty="0"/>
+              <a:t> and sample 10000</a:t>
+            </a:r>
+          </a:p>
+          <a:p>
+            <a:pPr marL="0" indent="0">
+              <a:buNone/>
+            </a:pPr>
+            <a:endParaRPr lang="en-US" altLang="zh-TW" dirty="0"/>
+          </a:p>
+          <a:p>
+            <a:pPr marL="0" indent="0">
+              <a:buNone/>
+            </a:pPr>
+            <a:endParaRPr lang="en-US" altLang="zh-TW" dirty="0"/>
+          </a:p>
+          <a:p>
+            <a:pPr marL="0" indent="0">
+              <a:buNone/>
+            </a:pPr>
+            <a:r>
+              <a:rPr lang="en-US" altLang="zh-TW" dirty="0"/>
+              <a:t>In</a:t>
+            </a:r>
+            <a:r>
+              <a:rPr lang="zh-TW" altLang="en-US" dirty="0"/>
+              <a:t> </a:t>
+            </a:r>
+            <a:r>
+              <a:rPr lang="en-US" altLang="zh-TW" dirty="0"/>
+              <a:t>the</a:t>
+            </a:r>
+            <a:r>
+              <a:rPr lang="zh-TW" altLang="en-US" dirty="0"/>
+              <a:t> </a:t>
+            </a:r>
+            <a:r>
+              <a:rPr lang="en-US" altLang="zh-TW" dirty="0"/>
+              <a:t>end</a:t>
+            </a:r>
+            <a:r>
+              <a:rPr lang="zh-TW" altLang="en-US" dirty="0"/>
+              <a:t> </a:t>
+            </a:r>
+            <a:r>
+              <a:rPr lang="en-US" altLang="zh-TW" dirty="0"/>
+              <a:t>we</a:t>
+            </a:r>
+            <a:r>
+              <a:rPr lang="zh-TW" altLang="en-US" dirty="0"/>
+              <a:t> </a:t>
+            </a:r>
+            <a:r>
+              <a:rPr lang="en-US" altLang="zh-TW" dirty="0"/>
+              <a:t>choose sample half data off class ‘0’ to balanced.</a:t>
+            </a:r>
+          </a:p>
+        </p:txBody>
+      </p:sp>
+      <p:pic>
+        <p:nvPicPr>
+          <p:cNvPr id="11" name="圖片 10">
+            <a:extLst>
+              <a:ext uri="{FF2B5EF4-FFF2-40B4-BE49-F238E27FC236}">
+                <a16:creationId xmlns:a16="http://schemas.microsoft.com/office/drawing/2014/main" id="{2F0D791D-8255-4EA5-A115-7AA81D76DE36}"/>
+              </a:ext>
+            </a:extLst>
+          </p:cNvPr>
+          <p:cNvPicPr>
+            <a:picLocks noChangeAspect="1"/>
+          </p:cNvPicPr>
+          <p:nvPr/>
+        </p:nvPicPr>
+        <p:blipFill rotWithShape="1">
+          <a:blip r:embed="rId2"/>
+          <a:srcRect t="35975"/>
+          <a:stretch/>
+        </p:blipFill>
+        <p:spPr>
+          <a:xfrm>
+            <a:off x="1068096" y="4185527"/>
+            <a:ext cx="2291621" cy="504954"/>
+          </a:xfrm>
+          <a:prstGeom prst="rect">
+            <a:avLst/>
+          </a:prstGeom>
+        </p:spPr>
+      </p:pic>
+      <p:pic>
+        <p:nvPicPr>
+          <p:cNvPr id="12" name="圖片 11">
+            <a:extLst>
+              <a:ext uri="{FF2B5EF4-FFF2-40B4-BE49-F238E27FC236}">
+                <a16:creationId xmlns:a16="http://schemas.microsoft.com/office/drawing/2014/main" id="{95913A59-8DD3-4A96-906E-65F47C354847}"/>
+              </a:ext>
+            </a:extLst>
+          </p:cNvPr>
+          <p:cNvPicPr>
+            <a:picLocks noChangeAspect="1"/>
+          </p:cNvPicPr>
+          <p:nvPr/>
+        </p:nvPicPr>
+        <p:blipFill>
+          <a:blip r:embed="rId3"/>
+          <a:stretch>
+            <a:fillRect/>
+          </a:stretch>
+        </p:blipFill>
+        <p:spPr>
+          <a:xfrm>
+            <a:off x="1097280" y="2745186"/>
+            <a:ext cx="2233255" cy="749466"/>
+          </a:xfrm>
+          <a:prstGeom prst="rect">
+            <a:avLst/>
+          </a:prstGeom>
+        </p:spPr>
+      </p:pic>
+      <p:pic>
+        <p:nvPicPr>
+          <p:cNvPr id="13" name="圖片 12">
+            <a:extLst>
+              <a:ext uri="{FF2B5EF4-FFF2-40B4-BE49-F238E27FC236}">
+                <a16:creationId xmlns:a16="http://schemas.microsoft.com/office/drawing/2014/main" id="{187F8693-16ED-4FFB-A891-4416B874BB70}"/>
+              </a:ext>
+            </a:extLst>
+          </p:cNvPr>
+          <p:cNvPicPr>
+            <a:picLocks noChangeAspect="1"/>
+          </p:cNvPicPr>
+          <p:nvPr/>
+        </p:nvPicPr>
+        <p:blipFill>
+          <a:blip r:embed="rId4"/>
+          <a:stretch>
+            <a:fillRect/>
+          </a:stretch>
+        </p:blipFill>
+        <p:spPr>
+          <a:xfrm>
+            <a:off x="1036320" y="2507512"/>
+            <a:ext cx="5706843" cy="203010"/>
+          </a:xfrm>
+          <a:prstGeom prst="rect">
+            <a:avLst/>
+          </a:prstGeom>
+        </p:spPr>
+      </p:pic>
+      <p:pic>
+        <p:nvPicPr>
+          <p:cNvPr id="5" name="圖片 4">
+            <a:extLst>
+              <a:ext uri="{FF2B5EF4-FFF2-40B4-BE49-F238E27FC236}">
+                <a16:creationId xmlns:a16="http://schemas.microsoft.com/office/drawing/2014/main" id="{9FA31180-4B19-41F3-975C-3B54FE7014D3}"/>
+              </a:ext>
+            </a:extLst>
+          </p:cNvPr>
+          <p:cNvPicPr>
+            <a:picLocks noChangeAspect="1"/>
+          </p:cNvPicPr>
+          <p:nvPr/>
+        </p:nvPicPr>
+        <p:blipFill>
+          <a:blip r:embed="rId5"/>
+          <a:stretch>
+            <a:fillRect/>
+          </a:stretch>
+        </p:blipFill>
+        <p:spPr>
+          <a:xfrm>
+            <a:off x="1097280" y="5267051"/>
+            <a:ext cx="1312248" cy="596476"/>
+          </a:xfrm>
+          <a:prstGeom prst="rect">
+            <a:avLst/>
+          </a:prstGeom>
+        </p:spPr>
+      </p:pic>
+      <p:pic>
+        <p:nvPicPr>
+          <p:cNvPr id="7" name="圖片 6">
+            <a:extLst>
+              <a:ext uri="{FF2B5EF4-FFF2-40B4-BE49-F238E27FC236}">
+                <a16:creationId xmlns:a16="http://schemas.microsoft.com/office/drawing/2014/main" id="{9E80A7BF-F97B-4EF9-BD3F-AF9456A78A02}"/>
+              </a:ext>
+            </a:extLst>
+          </p:cNvPr>
+          <p:cNvPicPr>
+            <a:picLocks noChangeAspect="1"/>
+          </p:cNvPicPr>
+          <p:nvPr/>
+        </p:nvPicPr>
+        <p:blipFill>
+          <a:blip r:embed="rId6"/>
+          <a:stretch>
+            <a:fillRect/>
+          </a:stretch>
+        </p:blipFill>
+        <p:spPr>
+          <a:xfrm>
+            <a:off x="5887453" y="4185527"/>
+            <a:ext cx="1071066" cy="602475"/>
+          </a:xfrm>
+          <a:prstGeom prst="rect">
+            <a:avLst/>
+          </a:prstGeom>
+        </p:spPr>
+      </p:pic>
+      <p:pic>
+        <p:nvPicPr>
+          <p:cNvPr id="9" name="圖片 8">
+            <a:extLst>
+              <a:ext uri="{FF2B5EF4-FFF2-40B4-BE49-F238E27FC236}">
+                <a16:creationId xmlns:a16="http://schemas.microsoft.com/office/drawing/2014/main" id="{8FEF9531-32CB-4309-82D4-6DA3BE5F4E3B}"/>
+              </a:ext>
+            </a:extLst>
+          </p:cNvPr>
+          <p:cNvPicPr>
+            <a:picLocks noChangeAspect="1"/>
+          </p:cNvPicPr>
+          <p:nvPr/>
+        </p:nvPicPr>
+        <p:blipFill>
+          <a:blip r:embed="rId7"/>
+          <a:stretch>
+            <a:fillRect/>
+          </a:stretch>
+        </p:blipFill>
+        <p:spPr>
+          <a:xfrm>
+            <a:off x="5887453" y="3857414"/>
+            <a:ext cx="4216366" cy="283670"/>
+          </a:xfrm>
+          <a:prstGeom prst="rect">
+            <a:avLst/>
+          </a:prstGeom>
+        </p:spPr>
+      </p:pic>
+      <p:pic>
+        <p:nvPicPr>
+          <p:cNvPr id="15" name="圖片 14">
+            <a:extLst>
+              <a:ext uri="{FF2B5EF4-FFF2-40B4-BE49-F238E27FC236}">
+                <a16:creationId xmlns:a16="http://schemas.microsoft.com/office/drawing/2014/main" id="{DBB00F90-7D09-49E8-B8B1-315A9E38CF05}"/>
+              </a:ext>
+            </a:extLst>
+          </p:cNvPr>
+          <p:cNvPicPr>
+            <a:picLocks noChangeAspect="1"/>
+          </p:cNvPicPr>
+          <p:nvPr/>
+        </p:nvPicPr>
+        <p:blipFill>
+          <a:blip r:embed="rId8"/>
+          <a:stretch>
+            <a:fillRect/>
+          </a:stretch>
+        </p:blipFill>
+        <p:spPr>
+          <a:xfrm>
+            <a:off x="1097280" y="3857414"/>
+            <a:ext cx="4641016" cy="250251"/>
+          </a:xfrm>
+          <a:prstGeom prst="rect">
+            <a:avLst/>
+          </a:prstGeom>
+        </p:spPr>
+      </p:pic>
+    </p:spTree>
+    <p:extLst>
+      <p:ext uri="{BB962C8B-B14F-4D97-AF65-F5344CB8AC3E}">
+        <p14:creationId xmlns:p14="http://schemas.microsoft.com/office/powerpoint/2010/main" val="1224602313"/>
+      </p:ext>
+    </p:extLst>
+  </p:cSld>
+  <p:clrMapOvr>
+    <a:masterClrMapping/>
+  </p:clrMapOvr>
+</p:sld>
+</file>
+
+<file path=ppt/slides/slide6.xml><?xml version="1.0" encoding="utf-8"?>
+<p:sld xmlns:a="http://schemas.openxmlformats.org/drawingml/2006/main" xmlns:r="http://schemas.openxmlformats.org/officeDocument/2006/relationships" xmlns:p="http://schemas.openxmlformats.org/presentationml/2006/main">
+  <p:cSld>
+    <p:spTree>
+      <p:nvGrpSpPr>
+        <p:cNvPr id="1" name=""/>
+        <p:cNvGrpSpPr/>
+        <p:nvPr/>
+      </p:nvGrpSpPr>
+      <p:grpSpPr>
+        <a:xfrm>
+          <a:off x="0" y="0"/>
+          <a:ext cx="0" cy="0"/>
+          <a:chOff x="0" y="0"/>
+          <a:chExt cx="0" cy="0"/>
+        </a:xfrm>
+      </p:grpSpPr>
+      <p:sp>
+        <p:nvSpPr>
+          <p:cNvPr id="2" name="標題 1">
+            <a:extLst>
+              <a:ext uri="{FF2B5EF4-FFF2-40B4-BE49-F238E27FC236}">
+                <a16:creationId xmlns:a16="http://schemas.microsoft.com/office/drawing/2014/main" id="{EB7619DB-7E93-4CE1-B0F6-45C14D963A5A}"/>
+              </a:ext>
+            </a:extLst>
+          </p:cNvPr>
+          <p:cNvSpPr>
+            <a:spLocks noGrp="1"/>
+          </p:cNvSpPr>
+          <p:nvPr>
+            <p:ph type="title"/>
+          </p:nvPr>
+        </p:nvSpPr>
+        <p:spPr/>
+        <p:txBody>
+          <a:bodyPr/>
+          <a:lstStyle/>
+          <a:p>
+            <a:r>
+              <a:rPr lang="en-US" altLang="zh-TW" dirty="0"/>
+              <a:t>Model1 – first try</a:t>
+            </a:r>
+            <a:endParaRPr lang="zh-TW" altLang="en-US" dirty="0"/>
+          </a:p>
+        </p:txBody>
+      </p:sp>
+      <p:sp>
+        <p:nvSpPr>
+          <p:cNvPr id="3" name="內容版面配置區 2">
+            <a:extLst>
+              <a:ext uri="{FF2B5EF4-FFF2-40B4-BE49-F238E27FC236}">
+                <a16:creationId xmlns:a16="http://schemas.microsoft.com/office/drawing/2014/main" id="{4E9FAAE4-2BA6-4B6C-9BA5-83DA7EFED085}"/>
+              </a:ext>
+            </a:extLst>
+          </p:cNvPr>
+          <p:cNvSpPr>
+            <a:spLocks noGrp="1"/>
+          </p:cNvSpPr>
+          <p:nvPr>
+            <p:ph idx="1"/>
+          </p:nvPr>
+        </p:nvSpPr>
+        <p:spPr/>
+        <p:txBody>
+          <a:bodyPr/>
+          <a:lstStyle/>
+          <a:p>
+            <a:r>
+              <a:rPr lang="en-US" altLang="zh-TW" dirty="0"/>
+              <a:t>Epoch: 100</a:t>
+            </a:r>
+          </a:p>
+          <a:p>
+            <a:r>
+              <a:rPr lang="en-US" altLang="zh-TW" dirty="0"/>
+              <a:t>Batch = 500</a:t>
+            </a:r>
+            <a:endParaRPr lang="zh-TW" altLang="en-US" dirty="0"/>
+          </a:p>
+        </p:txBody>
+      </p:sp>
+      <p:pic>
+        <p:nvPicPr>
+          <p:cNvPr id="4" name="圖片 3">
+            <a:extLst>
+              <a:ext uri="{FF2B5EF4-FFF2-40B4-BE49-F238E27FC236}">
+                <a16:creationId xmlns:a16="http://schemas.microsoft.com/office/drawing/2014/main" id="{AB22B76C-C850-49BB-9B7E-C5E8998F17DF}"/>
+              </a:ext>
+            </a:extLst>
+          </p:cNvPr>
+          <p:cNvPicPr>
+            <a:picLocks noChangeAspect="1"/>
+          </p:cNvPicPr>
+          <p:nvPr/>
+        </p:nvPicPr>
+        <p:blipFill>
+          <a:blip r:embed="rId2"/>
+          <a:stretch>
+            <a:fillRect/>
+          </a:stretch>
+        </p:blipFill>
+        <p:spPr>
+          <a:xfrm>
+            <a:off x="1097280" y="2863323"/>
+            <a:ext cx="6430851" cy="1131353"/>
+          </a:xfrm>
+          <a:prstGeom prst="rect">
+            <a:avLst/>
+          </a:prstGeom>
+        </p:spPr>
+      </p:pic>
+      <p:pic>
+        <p:nvPicPr>
+          <p:cNvPr id="12" name="圖片 11">
+            <a:extLst>
+              <a:ext uri="{FF2B5EF4-FFF2-40B4-BE49-F238E27FC236}">
+                <a16:creationId xmlns:a16="http://schemas.microsoft.com/office/drawing/2014/main" id="{0F783131-4AA8-4443-846E-54C576FFC417}"/>
+              </a:ext>
+            </a:extLst>
+          </p:cNvPr>
+          <p:cNvPicPr>
+            <a:picLocks noChangeAspect="1"/>
+          </p:cNvPicPr>
+          <p:nvPr/>
+        </p:nvPicPr>
+        <p:blipFill>
+          <a:blip r:embed="rId3"/>
+          <a:stretch>
+            <a:fillRect/>
+          </a:stretch>
+        </p:blipFill>
+        <p:spPr>
+          <a:xfrm>
+            <a:off x="1172508" y="4361909"/>
+            <a:ext cx="5131016" cy="1710339"/>
+          </a:xfrm>
+          <a:prstGeom prst="rect">
+            <a:avLst/>
+          </a:prstGeom>
+        </p:spPr>
+      </p:pic>
+      <p:pic>
+        <p:nvPicPr>
+          <p:cNvPr id="14" name="圖片 13">
+            <a:extLst>
+              <a:ext uri="{FF2B5EF4-FFF2-40B4-BE49-F238E27FC236}">
+                <a16:creationId xmlns:a16="http://schemas.microsoft.com/office/drawing/2014/main" id="{570EDE5A-52D2-411F-9239-AF1E846247AA}"/>
+              </a:ext>
+            </a:extLst>
+          </p:cNvPr>
+          <p:cNvPicPr>
+            <a:picLocks noChangeAspect="1"/>
+          </p:cNvPicPr>
+          <p:nvPr/>
+        </p:nvPicPr>
+        <p:blipFill>
+          <a:blip r:embed="rId4"/>
+          <a:stretch>
+            <a:fillRect/>
+          </a:stretch>
+        </p:blipFill>
+        <p:spPr>
+          <a:xfrm>
+            <a:off x="3390414" y="1929127"/>
+            <a:ext cx="1352739" cy="619211"/>
+          </a:xfrm>
+          <a:prstGeom prst="rect">
+            <a:avLst/>
+          </a:prstGeom>
+        </p:spPr>
+      </p:pic>
+    </p:spTree>
+    <p:extLst>
+      <p:ext uri="{BB962C8B-B14F-4D97-AF65-F5344CB8AC3E}">
+        <p14:creationId xmlns:p14="http://schemas.microsoft.com/office/powerpoint/2010/main" val="2222827968"/>
+      </p:ext>
+    </p:extLst>
+  </p:cSld>
+  <p:clrMapOvr>
+    <a:masterClrMapping/>
+  </p:clrMapOvr>
+</p:sld>
+</file>
+
+<file path=ppt/slides/slide7.xml><?xml version="1.0" encoding="utf-8"?>
+<p:sld xmlns:a="http://schemas.openxmlformats.org/drawingml/2006/main" xmlns:r="http://schemas.openxmlformats.org/officeDocument/2006/relationships" xmlns:p="http://schemas.openxmlformats.org/presentationml/2006/main">
+  <p:cSld>
+    <p:spTree>
+      <p:nvGrpSpPr>
+        <p:cNvPr id="1" name=""/>
+        <p:cNvGrpSpPr/>
+        <p:nvPr/>
+      </p:nvGrpSpPr>
+      <p:grpSpPr>
+        <a:xfrm>
+          <a:off x="0" y="0"/>
+          <a:ext cx="0" cy="0"/>
+          <a:chOff x="0" y="0"/>
+          <a:chExt cx="0" cy="0"/>
+        </a:xfrm>
+      </p:grpSpPr>
+      <p:sp>
+        <p:nvSpPr>
+          <p:cNvPr id="2" name="標題 1">
+            <a:extLst>
+              <a:ext uri="{FF2B5EF4-FFF2-40B4-BE49-F238E27FC236}">
+                <a16:creationId xmlns:a16="http://schemas.microsoft.com/office/drawing/2014/main" id="{EB7619DB-7E93-4CE1-B0F6-45C14D963A5A}"/>
+              </a:ext>
+            </a:extLst>
+          </p:cNvPr>
+          <p:cNvSpPr>
+            <a:spLocks noGrp="1"/>
+          </p:cNvSpPr>
+          <p:nvPr>
+            <p:ph type="title"/>
+          </p:nvPr>
+        </p:nvSpPr>
+        <p:spPr/>
+        <p:txBody>
+          <a:bodyPr/>
+          <a:lstStyle/>
+          <a:p>
+            <a:r>
+              <a:rPr lang="en-US" altLang="zh-TW" dirty="0"/>
+              <a:t>Model2 – after hard working</a:t>
+            </a:r>
+            <a:endParaRPr lang="zh-TW" altLang="en-US" dirty="0"/>
+          </a:p>
+        </p:txBody>
+      </p:sp>
+      <p:sp>
+        <p:nvSpPr>
+          <p:cNvPr id="3" name="內容版面配置區 2">
+            <a:extLst>
+              <a:ext uri="{FF2B5EF4-FFF2-40B4-BE49-F238E27FC236}">
+                <a16:creationId xmlns:a16="http://schemas.microsoft.com/office/drawing/2014/main" id="{4E9FAAE4-2BA6-4B6C-9BA5-83DA7EFED085}"/>
+              </a:ext>
+            </a:extLst>
+          </p:cNvPr>
+          <p:cNvSpPr>
+            <a:spLocks noGrp="1"/>
+          </p:cNvSpPr>
+          <p:nvPr>
+            <p:ph idx="1"/>
+          </p:nvPr>
+        </p:nvSpPr>
+        <p:spPr/>
+        <p:txBody>
+          <a:bodyPr/>
+          <a:lstStyle/>
+          <a:p>
+            <a:r>
+              <a:rPr lang="en-US" altLang="zh-TW" dirty="0"/>
+              <a:t>Epoch: 100</a:t>
+            </a:r>
+          </a:p>
+          <a:p>
+            <a:r>
+              <a:rPr lang="en-US" altLang="zh-TW" dirty="0"/>
+              <a:t>Batch = 500</a:t>
+            </a:r>
+            <a:endParaRPr lang="zh-TW" altLang="en-US" dirty="0"/>
+          </a:p>
+        </p:txBody>
+      </p:sp>
+      <p:pic>
+        <p:nvPicPr>
+          <p:cNvPr id="5" name="圖片 4">
+            <a:extLst>
+              <a:ext uri="{FF2B5EF4-FFF2-40B4-BE49-F238E27FC236}">
+                <a16:creationId xmlns:a16="http://schemas.microsoft.com/office/drawing/2014/main" id="{105340C4-B1B5-41C6-9A85-6BEFEB1D6DAA}"/>
+              </a:ext>
+            </a:extLst>
+          </p:cNvPr>
+          <p:cNvPicPr>
+            <a:picLocks noChangeAspect="1"/>
+          </p:cNvPicPr>
+          <p:nvPr/>
+        </p:nvPicPr>
+        <p:blipFill>
+          <a:blip r:embed="rId2"/>
+          <a:stretch>
+            <a:fillRect/>
+          </a:stretch>
+        </p:blipFill>
+        <p:spPr>
+          <a:xfrm>
+            <a:off x="1097280" y="4221606"/>
+            <a:ext cx="4499044" cy="911968"/>
+          </a:xfrm>
+          <a:prstGeom prst="rect">
+            <a:avLst/>
+          </a:prstGeom>
+        </p:spPr>
+      </p:pic>
+      <p:pic>
+        <p:nvPicPr>
+          <p:cNvPr id="10" name="圖片 9">
+            <a:extLst>
+              <a:ext uri="{FF2B5EF4-FFF2-40B4-BE49-F238E27FC236}">
+                <a16:creationId xmlns:a16="http://schemas.microsoft.com/office/drawing/2014/main" id="{DDF2FD28-9DCF-4E91-A241-B71AC09FBDDF}"/>
+              </a:ext>
+            </a:extLst>
+          </p:cNvPr>
+          <p:cNvPicPr>
+            <a:picLocks noChangeAspect="1"/>
+          </p:cNvPicPr>
+          <p:nvPr/>
+        </p:nvPicPr>
+        <p:blipFill>
+          <a:blip r:embed="rId3"/>
+          <a:stretch>
+            <a:fillRect/>
+          </a:stretch>
+        </p:blipFill>
+        <p:spPr>
+          <a:xfrm>
+            <a:off x="3285842" y="1923079"/>
+            <a:ext cx="1312248" cy="596476"/>
+          </a:xfrm>
+          <a:prstGeom prst="rect">
+            <a:avLst/>
+          </a:prstGeom>
+        </p:spPr>
+      </p:pic>
+      <p:pic>
+        <p:nvPicPr>
+          <p:cNvPr id="7" name="圖片 6">
+            <a:extLst>
+              <a:ext uri="{FF2B5EF4-FFF2-40B4-BE49-F238E27FC236}">
+                <a16:creationId xmlns:a16="http://schemas.microsoft.com/office/drawing/2014/main" id="{4A32F2A8-CD30-410E-AAEC-6E8072888F42}"/>
+              </a:ext>
+            </a:extLst>
+          </p:cNvPr>
+          <p:cNvPicPr>
+            <a:picLocks noChangeAspect="1"/>
+          </p:cNvPicPr>
+          <p:nvPr/>
+        </p:nvPicPr>
+        <p:blipFill>
+          <a:blip r:embed="rId4"/>
+          <a:stretch>
+            <a:fillRect/>
+          </a:stretch>
+        </p:blipFill>
+        <p:spPr>
+          <a:xfrm>
+            <a:off x="1097280" y="2889834"/>
+            <a:ext cx="7810572" cy="1123978"/>
+          </a:xfrm>
+          <a:prstGeom prst="rect">
+            <a:avLst/>
+          </a:prstGeom>
+        </p:spPr>
+      </p:pic>
+    </p:spTree>
+    <p:extLst>
+      <p:ext uri="{BB962C8B-B14F-4D97-AF65-F5344CB8AC3E}">
+        <p14:creationId xmlns:p14="http://schemas.microsoft.com/office/powerpoint/2010/main" val="3664577584"/>
+      </p:ext>
+    </p:extLst>
+  </p:cSld>
+  <p:clrMapOvr>
+    <a:masterClrMapping/>
+  </p:clrMapOvr>
+</p:sld>
+</file>
+
+<file path=ppt/slides/slide8.xml><?xml version="1.0" encoding="utf-8"?>
+<p:sld xmlns:a="http://schemas.openxmlformats.org/drawingml/2006/main" xmlns:r="http://schemas.openxmlformats.org/officeDocument/2006/relationships" xmlns:p="http://schemas.openxmlformats.org/presentationml/2006/main">
+  <p:cSld>
+    <p:spTree>
+      <p:nvGrpSpPr>
+        <p:cNvPr id="1" name=""/>
+        <p:cNvGrpSpPr/>
+        <p:nvPr/>
+      </p:nvGrpSpPr>
+      <p:grpSpPr>
+        <a:xfrm>
+          <a:off x="0" y="0"/>
+          <a:ext cx="0" cy="0"/>
+          <a:chOff x="0" y="0"/>
+          <a:chExt cx="0" cy="0"/>
+        </a:xfrm>
+      </p:grpSpPr>
+      <p:sp>
+        <p:nvSpPr>
+          <p:cNvPr id="2" name="標題 1">
+            <a:extLst>
+              <a:ext uri="{FF2B5EF4-FFF2-40B4-BE49-F238E27FC236}">
                 <a16:creationId xmlns:a16="http://schemas.microsoft.com/office/drawing/2014/main" id="{49DC0733-FE2E-4809-A156-9D3BD5B048E3}"/>
               </a:ext>
             </a:extLst>
@@ -4602,7 +5492,19 @@
           <a:p>
             <a:r>
               <a:rPr lang="en-US" altLang="zh-TW" dirty="0"/>
-              <a:t>This picture is scoring rule for this competition</a:t>
+              <a:t>scoring rule for this competition.</a:t>
+            </a:r>
+          </a:p>
+          <a:p>
+            <a:r>
+              <a:rPr lang="en-US" altLang="zh-TW" dirty="0"/>
+              <a:t>Find all of the people who laundering the money to increase the numerator.</a:t>
+            </a:r>
+          </a:p>
+          <a:p>
+            <a:r>
+              <a:rPr lang="en-US" altLang="zh-TW" dirty="0"/>
+              <a:t>Find all of those people use least data to decrease the denominator.</a:t>
             </a:r>
           </a:p>
           <a:p>
@@ -4638,7 +5540,7 @@
         </p:blipFill>
         <p:spPr>
           <a:xfrm>
-            <a:off x="6571186" y="1737360"/>
+            <a:off x="6590641" y="1845734"/>
             <a:ext cx="5030669" cy="4427916"/>
           </a:xfrm>
           <a:prstGeom prst="rect">
@@ -4659,7 +5561,7 @@
 </p:sld>
 </file>
 
-<file path=ppt/slides/slide6.xml><?xml version="1.0" encoding="utf-8"?>
+<file path=ppt/slides/slide9.xml><?xml version="1.0" encoding="utf-8"?>
 <p:sld xmlns:a="http://schemas.openxmlformats.org/drawingml/2006/main" xmlns:r="http://schemas.openxmlformats.org/officeDocument/2006/relationships" xmlns:p="http://schemas.openxmlformats.org/presentationml/2006/main">
   <p:cSld>
     <p:spTree>
@@ -4953,261 +5855,6 @@
     <p:extLst>
       <p:ext uri="{BB962C8B-B14F-4D97-AF65-F5344CB8AC3E}">
         <p14:creationId xmlns:p14="http://schemas.microsoft.com/office/powerpoint/2010/main" val="3407518246"/>
-      </p:ext>
-    </p:extLst>
-  </p:cSld>
-  <p:clrMapOvr>
-    <a:masterClrMapping/>
-  </p:clrMapOvr>
-</p:sld>
-</file>
-
-<file path=ppt/slides/slide7.xml><?xml version="1.0" encoding="utf-8"?>
-<p:sld xmlns:a="http://schemas.openxmlformats.org/drawingml/2006/main" xmlns:r="http://schemas.openxmlformats.org/officeDocument/2006/relationships" xmlns:p="http://schemas.openxmlformats.org/presentationml/2006/main">
-  <p:cSld>
-    <p:spTree>
-      <p:nvGrpSpPr>
-        <p:cNvPr id="1" name=""/>
-        <p:cNvGrpSpPr/>
-        <p:nvPr/>
-      </p:nvGrpSpPr>
-      <p:grpSpPr>
-        <a:xfrm>
-          <a:off x="0" y="0"/>
-          <a:ext cx="0" cy="0"/>
-          <a:chOff x="0" y="0"/>
-          <a:chExt cx="0" cy="0"/>
-        </a:xfrm>
-      </p:grpSpPr>
-      <p:sp>
-        <p:nvSpPr>
-          <p:cNvPr id="2" name="標題 1">
-            <a:extLst>
-              <a:ext uri="{FF2B5EF4-FFF2-40B4-BE49-F238E27FC236}">
-                <a16:creationId xmlns:a16="http://schemas.microsoft.com/office/drawing/2014/main" id="{EB7619DB-7E93-4CE1-B0F6-45C14D963A5A}"/>
-              </a:ext>
-            </a:extLst>
-          </p:cNvPr>
-          <p:cNvSpPr>
-            <a:spLocks noGrp="1"/>
-          </p:cNvSpPr>
-          <p:nvPr>
-            <p:ph type="title"/>
-          </p:nvPr>
-        </p:nvSpPr>
-        <p:spPr/>
-        <p:txBody>
-          <a:bodyPr/>
-          <a:lstStyle/>
-          <a:p>
-            <a:r>
-              <a:rPr lang="en-US" altLang="zh-TW" dirty="0"/>
-              <a:t>Model</a:t>
-            </a:r>
-            <a:endParaRPr lang="zh-TW" altLang="en-US" dirty="0"/>
-          </a:p>
-        </p:txBody>
-      </p:sp>
-      <p:sp>
-        <p:nvSpPr>
-          <p:cNvPr id="3" name="內容版面配置區 2">
-            <a:extLst>
-              <a:ext uri="{FF2B5EF4-FFF2-40B4-BE49-F238E27FC236}">
-                <a16:creationId xmlns:a16="http://schemas.microsoft.com/office/drawing/2014/main" id="{4E9FAAE4-2BA6-4B6C-9BA5-83DA7EFED085}"/>
-              </a:ext>
-            </a:extLst>
-          </p:cNvPr>
-          <p:cNvSpPr>
-            <a:spLocks noGrp="1"/>
-          </p:cNvSpPr>
-          <p:nvPr>
-            <p:ph idx="1"/>
-          </p:nvPr>
-        </p:nvSpPr>
-        <p:spPr/>
-        <p:txBody>
-          <a:bodyPr/>
-          <a:lstStyle/>
-          <a:p>
-            <a:endParaRPr lang="zh-TW" altLang="en-US" dirty="0"/>
-          </a:p>
-        </p:txBody>
-      </p:sp>
-      <p:pic>
-        <p:nvPicPr>
-          <p:cNvPr id="4" name="圖片 3">
-            <a:extLst>
-              <a:ext uri="{FF2B5EF4-FFF2-40B4-BE49-F238E27FC236}">
-                <a16:creationId xmlns:a16="http://schemas.microsoft.com/office/drawing/2014/main" id="{AB22B76C-C850-49BB-9B7E-C5E8998F17DF}"/>
-              </a:ext>
-            </a:extLst>
-          </p:cNvPr>
-          <p:cNvPicPr>
-            <a:picLocks noChangeAspect="1"/>
-          </p:cNvPicPr>
-          <p:nvPr/>
-        </p:nvPicPr>
-        <p:blipFill>
-          <a:blip r:embed="rId2"/>
-          <a:stretch>
-            <a:fillRect/>
-          </a:stretch>
-        </p:blipFill>
-        <p:spPr>
-          <a:xfrm>
-            <a:off x="1097280" y="3350335"/>
-            <a:ext cx="5764690" cy="1014158"/>
-          </a:xfrm>
-          <a:prstGeom prst="rect">
-            <a:avLst/>
-          </a:prstGeom>
-        </p:spPr>
-      </p:pic>
-      <p:pic>
-        <p:nvPicPr>
-          <p:cNvPr id="5" name="圖片 4">
-            <a:extLst>
-              <a:ext uri="{FF2B5EF4-FFF2-40B4-BE49-F238E27FC236}">
-                <a16:creationId xmlns:a16="http://schemas.microsoft.com/office/drawing/2014/main" id="{105340C4-B1B5-41C6-9A85-6BEFEB1D6DAA}"/>
-              </a:ext>
-            </a:extLst>
-          </p:cNvPr>
-          <p:cNvPicPr>
-            <a:picLocks noChangeAspect="1"/>
-          </p:cNvPicPr>
-          <p:nvPr/>
-        </p:nvPicPr>
-        <p:blipFill>
-          <a:blip r:embed="rId3"/>
-          <a:stretch>
-            <a:fillRect/>
-          </a:stretch>
-        </p:blipFill>
-        <p:spPr>
-          <a:xfrm>
-            <a:off x="1097280" y="1993245"/>
-            <a:ext cx="5615533" cy="1138283"/>
-          </a:xfrm>
-          <a:prstGeom prst="rect">
-            <a:avLst/>
-          </a:prstGeom>
-        </p:spPr>
-      </p:pic>
-    </p:spTree>
-    <p:extLst>
-      <p:ext uri="{BB962C8B-B14F-4D97-AF65-F5344CB8AC3E}">
-        <p14:creationId xmlns:p14="http://schemas.microsoft.com/office/powerpoint/2010/main" val="2222827968"/>
-      </p:ext>
-    </p:extLst>
-  </p:cSld>
-  <p:clrMapOvr>
-    <a:masterClrMapping/>
-  </p:clrMapOvr>
-</p:sld>
-</file>
-
-<file path=ppt/slides/slide8.xml><?xml version="1.0" encoding="utf-8"?>
-<p:sld xmlns:a="http://schemas.openxmlformats.org/drawingml/2006/main" xmlns:r="http://schemas.openxmlformats.org/officeDocument/2006/relationships" xmlns:p="http://schemas.openxmlformats.org/presentationml/2006/main">
-  <p:cSld>
-    <p:spTree>
-      <p:nvGrpSpPr>
-        <p:cNvPr id="1" name=""/>
-        <p:cNvGrpSpPr/>
-        <p:nvPr/>
-      </p:nvGrpSpPr>
-      <p:grpSpPr>
-        <a:xfrm>
-          <a:off x="0" y="0"/>
-          <a:ext cx="0" cy="0"/>
-          <a:chOff x="0" y="0"/>
-          <a:chExt cx="0" cy="0"/>
-        </a:xfrm>
-      </p:grpSpPr>
-      <p:sp>
-        <p:nvSpPr>
-          <p:cNvPr id="2" name="標題 1">
-            <a:extLst>
-              <a:ext uri="{FF2B5EF4-FFF2-40B4-BE49-F238E27FC236}">
-                <a16:creationId xmlns:a16="http://schemas.microsoft.com/office/drawing/2014/main" id="{40FC157F-9144-414D-8216-A9A8530B07BC}"/>
-              </a:ext>
-            </a:extLst>
-          </p:cNvPr>
-          <p:cNvSpPr>
-            <a:spLocks noGrp="1"/>
-          </p:cNvSpPr>
-          <p:nvPr>
-            <p:ph type="title"/>
-          </p:nvPr>
-        </p:nvSpPr>
-        <p:spPr/>
-        <p:txBody>
-          <a:bodyPr/>
-          <a:lstStyle/>
-          <a:p>
-            <a:r>
-              <a:rPr lang="en-US" altLang="zh-TW" dirty="0"/>
-              <a:t>Feature work</a:t>
-            </a:r>
-            <a:endParaRPr lang="zh-TW" altLang="en-US" dirty="0"/>
-          </a:p>
-        </p:txBody>
-      </p:sp>
-      <p:sp>
-        <p:nvSpPr>
-          <p:cNvPr id="3" name="內容版面配置區 2">
-            <a:extLst>
-              <a:ext uri="{FF2B5EF4-FFF2-40B4-BE49-F238E27FC236}">
-                <a16:creationId xmlns:a16="http://schemas.microsoft.com/office/drawing/2014/main" id="{412FE23B-7B55-4B7B-9E56-4C79870D252E}"/>
-              </a:ext>
-            </a:extLst>
-          </p:cNvPr>
-          <p:cNvSpPr>
-            <a:spLocks noGrp="1"/>
-          </p:cNvSpPr>
-          <p:nvPr>
-            <p:ph idx="1"/>
-          </p:nvPr>
-        </p:nvSpPr>
-        <p:spPr/>
-        <p:txBody>
-          <a:bodyPr/>
-          <a:lstStyle/>
-          <a:p>
-            <a:pPr marL="457200" indent="-457200">
-              <a:buFont typeface="+mj-lt"/>
-              <a:buAutoNum type="alphaUcPeriod"/>
-            </a:pPr>
-            <a:r>
-              <a:rPr lang="en-US" altLang="zh-TW" dirty="0"/>
-              <a:t>Find the key feature to detect which transaction is money laundering</a:t>
-            </a:r>
-          </a:p>
-          <a:p>
-            <a:pPr marL="457200" indent="-457200">
-              <a:buFont typeface="+mj-lt"/>
-              <a:buAutoNum type="alphaUcPeriod"/>
-            </a:pPr>
-            <a:r>
-              <a:rPr lang="en-US" altLang="zh-TW" dirty="0"/>
-              <a:t>Find a better way to preprocessing our data</a:t>
-            </a:r>
-          </a:p>
-          <a:p>
-            <a:pPr marL="457200" indent="-457200">
-              <a:buFont typeface="+mj-lt"/>
-              <a:buAutoNum type="alphaUcPeriod"/>
-            </a:pPr>
-            <a:r>
-              <a:rPr lang="en-US" altLang="zh-TW" dirty="0"/>
-              <a:t>Improve our model architecture</a:t>
-            </a:r>
-          </a:p>
-        </p:txBody>
-      </p:sp>
-    </p:spTree>
-    <p:extLst>
-      <p:ext uri="{BB962C8B-B14F-4D97-AF65-F5344CB8AC3E}">
-        <p14:creationId xmlns:p14="http://schemas.microsoft.com/office/powerpoint/2010/main" val="837950723"/>
       </p:ext>
     </p:extLst>
   </p:cSld>
